--- a/PPT/ModernCppStudy_1.pptx
+++ b/PPT/ModernCppStudy_1.pptx
@@ -264,7 +264,7 @@
           <a:p>
             <a:fld id="{576A8EB5-10FF-47FD-9F7E-7E9D684E31B5}" type="datetimeFigureOut">
               <a:rPr lang="ko-KR" altLang="en-US" smtClean="0"/>
-              <a:t>2018-10-23</a:t>
+              <a:t>2018-10-24</a:t>
             </a:fld>
             <a:endParaRPr lang="ko-KR" altLang="en-US"/>
           </a:p>
@@ -2271,7 +2271,7 @@
           <a:p>
             <a:fld id="{666676FF-E5C0-41EA-A81C-F1B6E0898CD2}" type="datetimeFigureOut">
               <a:rPr lang="ko-KR" altLang="en-US" smtClean="0"/>
-              <a:t>2018-10-23</a:t>
+              <a:t>2018-10-24</a:t>
             </a:fld>
             <a:endParaRPr lang="ko-KR" altLang="en-US"/>
           </a:p>
@@ -2469,7 +2469,7 @@
           <a:p>
             <a:fld id="{666676FF-E5C0-41EA-A81C-F1B6E0898CD2}" type="datetimeFigureOut">
               <a:rPr lang="ko-KR" altLang="en-US" smtClean="0"/>
-              <a:t>2018-10-23</a:t>
+              <a:t>2018-10-24</a:t>
             </a:fld>
             <a:endParaRPr lang="ko-KR" altLang="en-US"/>
           </a:p>
@@ -2677,7 +2677,7 @@
           <a:p>
             <a:fld id="{666676FF-E5C0-41EA-A81C-F1B6E0898CD2}" type="datetimeFigureOut">
               <a:rPr lang="ko-KR" altLang="en-US" smtClean="0"/>
-              <a:t>2018-10-23</a:t>
+              <a:t>2018-10-24</a:t>
             </a:fld>
             <a:endParaRPr lang="ko-KR" altLang="en-US"/>
           </a:p>
@@ -2875,7 +2875,7 @@
           <a:p>
             <a:fld id="{666676FF-E5C0-41EA-A81C-F1B6E0898CD2}" type="datetimeFigureOut">
               <a:rPr lang="ko-KR" altLang="en-US" smtClean="0"/>
-              <a:t>2018-10-23</a:t>
+              <a:t>2018-10-24</a:t>
             </a:fld>
             <a:endParaRPr lang="ko-KR" altLang="en-US"/>
           </a:p>
@@ -3150,7 +3150,7 @@
           <a:p>
             <a:fld id="{666676FF-E5C0-41EA-A81C-F1B6E0898CD2}" type="datetimeFigureOut">
               <a:rPr lang="ko-KR" altLang="en-US" smtClean="0"/>
-              <a:t>2018-10-23</a:t>
+              <a:t>2018-10-24</a:t>
             </a:fld>
             <a:endParaRPr lang="ko-KR" altLang="en-US"/>
           </a:p>
@@ -3415,7 +3415,7 @@
           <a:p>
             <a:fld id="{666676FF-E5C0-41EA-A81C-F1B6E0898CD2}" type="datetimeFigureOut">
               <a:rPr lang="ko-KR" altLang="en-US" smtClean="0"/>
-              <a:t>2018-10-23</a:t>
+              <a:t>2018-10-24</a:t>
             </a:fld>
             <a:endParaRPr lang="ko-KR" altLang="en-US"/>
           </a:p>
@@ -3827,7 +3827,7 @@
           <a:p>
             <a:fld id="{666676FF-E5C0-41EA-A81C-F1B6E0898CD2}" type="datetimeFigureOut">
               <a:rPr lang="ko-KR" altLang="en-US" smtClean="0"/>
-              <a:t>2018-10-23</a:t>
+              <a:t>2018-10-24</a:t>
             </a:fld>
             <a:endParaRPr lang="ko-KR" altLang="en-US"/>
           </a:p>
@@ -3968,7 +3968,7 @@
           <a:p>
             <a:fld id="{666676FF-E5C0-41EA-A81C-F1B6E0898CD2}" type="datetimeFigureOut">
               <a:rPr lang="ko-KR" altLang="en-US" smtClean="0"/>
-              <a:t>2018-10-23</a:t>
+              <a:t>2018-10-24</a:t>
             </a:fld>
             <a:endParaRPr lang="ko-KR" altLang="en-US"/>
           </a:p>
@@ -4081,7 +4081,7 @@
           <a:p>
             <a:fld id="{666676FF-E5C0-41EA-A81C-F1B6E0898CD2}" type="datetimeFigureOut">
               <a:rPr lang="ko-KR" altLang="en-US" smtClean="0"/>
-              <a:t>2018-10-23</a:t>
+              <a:t>2018-10-24</a:t>
             </a:fld>
             <a:endParaRPr lang="ko-KR" altLang="en-US"/>
           </a:p>
@@ -4392,7 +4392,7 @@
           <a:p>
             <a:fld id="{666676FF-E5C0-41EA-A81C-F1B6E0898CD2}" type="datetimeFigureOut">
               <a:rPr lang="ko-KR" altLang="en-US" smtClean="0"/>
-              <a:t>2018-10-23</a:t>
+              <a:t>2018-10-24</a:t>
             </a:fld>
             <a:endParaRPr lang="ko-KR" altLang="en-US"/>
           </a:p>
@@ -4680,7 +4680,7 @@
           <a:p>
             <a:fld id="{666676FF-E5C0-41EA-A81C-F1B6E0898CD2}" type="datetimeFigureOut">
               <a:rPr lang="ko-KR" altLang="en-US" smtClean="0"/>
-              <a:t>2018-10-23</a:t>
+              <a:t>2018-10-24</a:t>
             </a:fld>
             <a:endParaRPr lang="ko-KR" altLang="en-US"/>
           </a:p>
@@ -4921,7 +4921,7 @@
           <a:p>
             <a:fld id="{666676FF-E5C0-41EA-A81C-F1B6E0898CD2}" type="datetimeFigureOut">
               <a:rPr lang="ko-KR" altLang="en-US" smtClean="0"/>
-              <a:t>2018-10-23</a:t>
+              <a:t>2018-10-24</a:t>
             </a:fld>
             <a:endParaRPr lang="ko-KR" altLang="en-US"/>
           </a:p>
@@ -26142,6 +26142,53 @@
           </a:p>
         </p:txBody>
       </p:sp>
+      <p:pic>
+        <p:nvPicPr>
+          <p:cNvPr id="1026" name="Picture 2" descr="ê¸°ë¶ì¢ì ì§¤ì ëí ì´ë¯¸ì§ ê²ìê²°ê³¼">
+            <a:extLst>
+              <a:ext uri="{FF2B5EF4-FFF2-40B4-BE49-F238E27FC236}">
+                <a16:creationId xmlns:a16="http://schemas.microsoft.com/office/drawing/2014/main" id="{DBBD511F-C1C6-4300-9890-04173597A2E3}"/>
+              </a:ext>
+            </a:extLst>
+          </p:cNvPr>
+          <p:cNvPicPr>
+            <a:picLocks noChangeAspect="1" noChangeArrowheads="1"/>
+          </p:cNvPicPr>
+          <p:nvPr/>
+        </p:nvPicPr>
+        <p:blipFill>
+          <a:blip r:embed="rId2">
+            <a:extLst>
+              <a:ext uri="{28A0092B-C50C-407E-A947-70E740481C1C}">
+                <a14:useLocalDpi xmlns:a14="http://schemas.microsoft.com/office/drawing/2010/main" val="0"/>
+              </a:ext>
+            </a:extLst>
+          </a:blip>
+          <a:srcRect/>
+          <a:stretch>
+            <a:fillRect/>
+          </a:stretch>
+        </p:blipFill>
+        <p:spPr bwMode="auto">
+          <a:xfrm>
+            <a:off x="3312695" y="1807020"/>
+            <a:ext cx="5566610" cy="4692626"/>
+          </a:xfrm>
+          <a:prstGeom prst="rect">
+            <a:avLst/>
+          </a:prstGeom>
+          <a:noFill/>
+          <a:extLst>
+            <a:ext uri="{909E8E84-426E-40DD-AFC4-6F175D3DCCD1}">
+              <a14:hiddenFill xmlns:a14="http://schemas.microsoft.com/office/drawing/2010/main">
+                <a:solidFill>
+                  <a:srgbClr val="FFFFFF"/>
+                </a:solidFill>
+              </a14:hiddenFill>
+            </a:ext>
+          </a:extLst>
+        </p:spPr>
+      </p:pic>
     </p:spTree>
     <p:extLst>
       <p:ext uri="{BB962C8B-B14F-4D97-AF65-F5344CB8AC3E}">
